--- a/Presentation/Week 4 Prezi.pptx
+++ b/Presentation/Week 4 Prezi.pptx
@@ -26672,7 +26672,7 @@
         <p:spPr>
           <a:xfrm>
             <a:off x="1305981" y="1063690"/>
-            <a:ext cx="9580037" cy="5545454"/>
+            <a:ext cx="9396231" cy="5630142"/>
           </a:xfrm>
           <a:prstGeom prst="rect">
             <a:avLst/>
@@ -26713,6 +26713,48 @@
               </a:rPr>
               <a:t>16</a:t>
             </a:r>
+          </a:p>
+        </p:txBody>
+      </p:sp>
+      <p:sp>
+        <p:nvSpPr>
+          <p:cNvPr id="2" name="TextBox 1">
+            <a:extLst>
+              <a:ext uri="{FF2B5EF4-FFF2-40B4-BE49-F238E27FC236}">
+                <a16:creationId xmlns:a16="http://schemas.microsoft.com/office/drawing/2014/main" id="{C7420216-9CF3-3EDE-74E2-80F9D33476D5}"/>
+              </a:ext>
+            </a:extLst>
+          </p:cNvPr>
+          <p:cNvSpPr txBox="1"/>
+          <p:nvPr/>
+        </p:nvSpPr>
+        <p:spPr>
+          <a:xfrm>
+            <a:off x="0" y="6386055"/>
+            <a:ext cx="3480318" cy="307777"/>
+          </a:xfrm>
+          <a:prstGeom prst="rect">
+            <a:avLst/>
+          </a:prstGeom>
+          <a:noFill/>
+        </p:spPr>
+        <p:txBody>
+          <a:bodyPr wrap="square" rtlCol="0">
+            <a:spAutoFit/>
+          </a:bodyPr>
+          <a:lstStyle/>
+          <a:p>
+            <a:r>
+              <a:rPr lang="en-US" sz="1400" b="1" dirty="0">
+                <a:latin typeface="Arial" panose="020B0604020202020204" pitchFamily="34" charset="0"/>
+                <a:cs typeface="Arial" panose="020B0604020202020204" pitchFamily="34" charset="0"/>
+              </a:rPr>
+              <a:t>Pearson correlation coefficient = 0.91</a:t>
+            </a:r>
+            <a:endParaRPr lang="LID4096" sz="1400" b="1" dirty="0">
+              <a:latin typeface="Arial" panose="020B0604020202020204" pitchFamily="34" charset="0"/>
+              <a:cs typeface="Arial" panose="020B0604020202020204" pitchFamily="34" charset="0"/>
+            </a:endParaRPr>
           </a:p>
         </p:txBody>
       </p:sp>
@@ -35578,21 +35620,21 @@
 </file>
 
 <file path=customXml/item1.xml><?xml version="1.0" encoding="utf-8"?>
+<?mso-contentType ?>
+<FormTemplates xmlns="http://schemas.microsoft.com/sharepoint/v3/contenttype/forms">
+  <Display>DocumentLibraryForm</Display>
+  <Edit>DocumentLibraryForm</Edit>
+  <New>DocumentLibraryForm</New>
+</FormTemplates>
+</file>
+
+<file path=customXml/item2.xml><?xml version="1.0" encoding="utf-8"?>
 <p:properties xmlns:p="http://schemas.microsoft.com/office/2006/metadata/properties" xmlns:xsi="http://www.w3.org/2001/XMLSchema-instance" xmlns:pc="http://schemas.microsoft.com/office/infopath/2007/PartnerControls">
   <documentManagement>
     <Status xmlns="71af3243-3dd4-4a8d-8c0d-dd76da1f02a5">Not started</Status>
     <MediaServiceKeyPoints xmlns="71af3243-3dd4-4a8d-8c0d-dd76da1f02a5" xsi:nil="true"/>
   </documentManagement>
 </p:properties>
-</file>
-
-<file path=customXml/item2.xml><?xml version="1.0" encoding="utf-8"?>
-<?mso-contentType ?>
-<FormTemplates xmlns="http://schemas.microsoft.com/sharepoint/v3/contenttype/forms">
-  <Display>DocumentLibraryForm</Display>
-  <Edit>DocumentLibraryForm</Edit>
-  <New>DocumentLibraryForm</New>
-</FormTemplates>
 </file>
 
 <file path=customXml/item3.xml><?xml version="1.0" encoding="utf-8"?>
@@ -35817,19 +35859,19 @@
 </file>
 
 <file path=customXml/itemProps1.xml><?xml version="1.0" encoding="utf-8"?>
+<ds:datastoreItem xmlns:ds="http://schemas.openxmlformats.org/officeDocument/2006/customXml" ds:itemID="{CF017D31-E675-491F-B600-F06278E25DAD}">
+  <ds:schemaRefs>
+    <ds:schemaRef ds:uri="http://schemas.microsoft.com/sharepoint/v3/contenttype/forms"/>
+  </ds:schemaRefs>
+</ds:datastoreItem>
+</file>
+
+<file path=customXml/itemProps2.xml><?xml version="1.0" encoding="utf-8"?>
 <ds:datastoreItem xmlns:ds="http://schemas.openxmlformats.org/officeDocument/2006/customXml" ds:itemID="{311B8520-39D0-4E39-88E2-3CE8E9A6E44A}">
   <ds:schemaRefs>
     <ds:schemaRef ds:uri="http://schemas.microsoft.com/office/2006/metadata/properties"/>
     <ds:schemaRef ds:uri="http://schemas.microsoft.com/office/infopath/2007/PartnerControls"/>
     <ds:schemaRef ds:uri="71af3243-3dd4-4a8d-8c0d-dd76da1f02a5"/>
-  </ds:schemaRefs>
-</ds:datastoreItem>
-</file>
-
-<file path=customXml/itemProps2.xml><?xml version="1.0" encoding="utf-8"?>
-<ds:datastoreItem xmlns:ds="http://schemas.openxmlformats.org/officeDocument/2006/customXml" ds:itemID="{CF017D31-E675-491F-B600-F06278E25DAD}">
-  <ds:schemaRefs>
-    <ds:schemaRef ds:uri="http://schemas.microsoft.com/sharepoint/v3/contenttype/forms"/>
   </ds:schemaRefs>
 </ds:datastoreItem>
 </file>

--- a/Presentation/Week 4 Prezi.pptx
+++ b/Presentation/Week 4 Prezi.pptx
@@ -17697,7 +17697,7 @@
           <a:p>
             <a:fld id="{3F42818B-C764-43FB-9100-6BE58FDE1954}" type="datetimeFigureOut">
               <a:rPr lang="en-US" smtClean="0"/>
-              <a:t>3/27/2025</a:t>
+              <a:t>3/28/2025</a:t>
             </a:fld>
             <a:endParaRPr lang="en-US" dirty="0"/>
           </a:p>
@@ -17874,7 +17874,7 @@
           <a:p>
             <a:fld id="{4E0BC4BE-0D73-E240-8B38-104FAC465A91}" type="datetimeFigureOut">
               <a:rPr lang="en-US" smtClean="0"/>
-              <a:t>3/27/2025</a:t>
+              <a:t>3/28/2025</a:t>
             </a:fld>
             <a:endParaRPr lang="en-US" dirty="0"/>
           </a:p>
@@ -18427,7 +18427,7 @@
           <a:p>
             <a:fld id="{7886DB84-0734-4576-B3C6-9561D57262D2}" type="datetime1">
               <a:rPr lang="en-US" smtClean="0"/>
-              <a:t>3/27/2025</a:t>
+              <a:t>3/28/2025</a:t>
             </a:fld>
             <a:endParaRPr lang="en-US" dirty="0"/>
           </a:p>
@@ -18719,7 +18719,7 @@
           <a:p>
             <a:fld id="{215AD932-C3C6-41D5-9F71-DF70D07C37C0}" type="datetime1">
               <a:rPr lang="en-US" smtClean="0"/>
-              <a:t>3/27/2025</a:t>
+              <a:t>3/28/2025</a:t>
             </a:fld>
             <a:endParaRPr lang="en-US" dirty="0"/>
           </a:p>
@@ -18968,7 +18968,7 @@
           <a:p>
             <a:fld id="{BB044758-31D0-46A7-9B20-831395473452}" type="datetime1">
               <a:rPr lang="en-US" smtClean="0"/>
-              <a:t>3/27/2025</a:t>
+              <a:t>3/28/2025</a:t>
             </a:fld>
             <a:endParaRPr lang="en-US" dirty="0"/>
           </a:p>
@@ -19505,7 +19505,7 @@
           <a:p>
             <a:fld id="{D10B6103-A556-4F8F-ADF0-F9B72AF41EF3}" type="datetime1">
               <a:rPr lang="en-US" smtClean="0"/>
-              <a:t>3/27/2025</a:t>
+              <a:t>3/28/2025</a:t>
             </a:fld>
             <a:endParaRPr lang="en-US" dirty="0"/>
           </a:p>
@@ -19754,7 +19754,7 @@
           <a:p>
             <a:fld id="{8999563E-AC7E-4F6A-B89C-C172535C1E22}" type="datetime1">
               <a:rPr lang="en-US" smtClean="0"/>
-              <a:t>3/27/2025</a:t>
+              <a:t>3/28/2025</a:t>
             </a:fld>
             <a:endParaRPr lang="en-US" dirty="0"/>
           </a:p>
@@ -20298,7 +20298,7 @@
           <a:p>
             <a:fld id="{7A422704-93DA-4297-BC20-3FFE1AE0F07F}" type="datetime1">
               <a:rPr lang="en-US" smtClean="0"/>
-              <a:t>3/27/2025</a:t>
+              <a:t>3/28/2025</a:t>
             </a:fld>
             <a:endParaRPr lang="en-US" dirty="0"/>
           </a:p>
@@ -20609,7 +20609,7 @@
           <a:p>
             <a:fld id="{D94BA10A-185F-4BEC-8FAD-CB4DA5CEC729}" type="datetime1">
               <a:rPr lang="en-US" smtClean="0"/>
-              <a:t>3/27/2025</a:t>
+              <a:t>3/28/2025</a:t>
             </a:fld>
             <a:endParaRPr lang="en-US" dirty="0"/>
           </a:p>
@@ -20785,7 +20785,7 @@
           <a:p>
             <a:fld id="{089AFA7A-180F-4D01-8986-1EC56DFF6876}" type="datetime1">
               <a:rPr lang="en-US" smtClean="0"/>
-              <a:t>3/27/2025</a:t>
+              <a:t>3/28/2025</a:t>
             </a:fld>
             <a:endParaRPr lang="en-US" dirty="0"/>
           </a:p>
@@ -20966,7 +20966,7 @@
           <a:p>
             <a:fld id="{A28BA47D-27E4-4C60-B504-10D76D60F71E}" type="datetime1">
               <a:rPr lang="en-US" smtClean="0"/>
-              <a:t>3/27/2025</a:t>
+              <a:t>3/28/2025</a:t>
             </a:fld>
             <a:endParaRPr lang="en-US" dirty="0"/>
           </a:p>
@@ -21137,7 +21137,7 @@
           <a:p>
             <a:fld id="{EC1A2556-CD57-45EE-B446-9A8B25AEAEFA}" type="datetime1">
               <a:rPr lang="en-US" smtClean="0"/>
-              <a:t>3/27/2025</a:t>
+              <a:t>3/28/2025</a:t>
             </a:fld>
             <a:endParaRPr lang="en-US" dirty="0"/>
           </a:p>
@@ -21384,7 +21384,7 @@
           <a:p>
             <a:fld id="{A2983B6F-30F2-4598-8D8F-F6E87020ECCB}" type="datetime1">
               <a:rPr lang="en-US" smtClean="0"/>
-              <a:t>3/27/2025</a:t>
+              <a:t>3/28/2025</a:t>
             </a:fld>
             <a:endParaRPr lang="en-US" dirty="0"/>
           </a:p>
@@ -21677,7 +21677,7 @@
           <a:p>
             <a:fld id="{83951AA6-F419-45B6-85D8-D23249620349}" type="datetime1">
               <a:rPr lang="en-US" smtClean="0"/>
-              <a:t>3/27/2025</a:t>
+              <a:t>3/28/2025</a:t>
             </a:fld>
             <a:endParaRPr lang="en-US" dirty="0"/>
           </a:p>
@@ -22108,7 +22108,7 @@
           <a:p>
             <a:fld id="{70EE1B06-163E-474B-9B00-0FA0378368A4}" type="datetime1">
               <a:rPr lang="en-US" smtClean="0"/>
-              <a:t>3/27/2025</a:t>
+              <a:t>3/28/2025</a:t>
             </a:fld>
             <a:endParaRPr lang="en-US" dirty="0"/>
           </a:p>
@@ -22227,7 +22227,7 @@
           <a:p>
             <a:fld id="{B577D8E2-7B25-4AB7-8860-E520C5673D21}" type="datetime1">
               <a:rPr lang="en-US" smtClean="0"/>
-              <a:t>3/27/2025</a:t>
+              <a:t>3/28/2025</a:t>
             </a:fld>
             <a:endParaRPr lang="en-US" dirty="0"/>
           </a:p>
@@ -22323,7 +22323,7 @@
           <a:p>
             <a:fld id="{0DE10C39-67DF-4E2C-97C5-622F7BBBBFB0}" type="datetime1">
               <a:rPr lang="en-US" smtClean="0"/>
-              <a:t>3/27/2025</a:t>
+              <a:t>3/28/2025</a:t>
             </a:fld>
             <a:endParaRPr lang="en-US" dirty="0"/>
           </a:p>
@@ -22607,7 +22607,7 @@
           <a:p>
             <a:fld id="{92096431-6647-4F17-8E70-95F2046FFBEF}" type="datetime1">
               <a:rPr lang="en-US" smtClean="0"/>
-              <a:t>3/27/2025</a:t>
+              <a:t>3/28/2025</a:t>
             </a:fld>
             <a:endParaRPr lang="en-US" dirty="0"/>
           </a:p>
@@ -22899,7 +22899,7 @@
           <a:p>
             <a:fld id="{E740EEB3-EAC4-484D-BB65-27D66518087B}" type="datetime1">
               <a:rPr lang="en-US" smtClean="0"/>
-              <a:t>3/27/2025</a:t>
+              <a:t>3/28/2025</a:t>
             </a:fld>
             <a:endParaRPr lang="en-US" dirty="0"/>
           </a:p>
@@ -23131,7 +23131,7 @@
           <a:p>
             <a:fld id="{15A942BC-E7BD-4143-BE41-1DC2EB8ACE22}" type="datetime1">
               <a:rPr lang="en-US" smtClean="0"/>
-              <a:t>3/27/2025</a:t>
+              <a:t>3/28/2025</a:t>
             </a:fld>
             <a:endParaRPr lang="en-US" dirty="0"/>
           </a:p>
@@ -25634,7 +25634,7 @@
         </p:blipFill>
         <p:spPr>
           <a:xfrm>
-            <a:off x="0" y="1549904"/>
+            <a:off x="96062" y="1549904"/>
             <a:ext cx="6144579" cy="4244406"/>
           </a:xfrm>
           <a:prstGeom prst="rect">
@@ -26005,12 +26005,17 @@
         </p:blipFill>
         <p:spPr>
           <a:xfrm>
-            <a:off x="731456" y="1362755"/>
+            <a:off x="883189" y="1240220"/>
             <a:ext cx="4726213" cy="5298018"/>
           </a:xfrm>
           <a:prstGeom prst="rect">
             <a:avLst/>
           </a:prstGeom>
+          <a:ln>
+            <a:solidFill>
+              <a:schemeClr val="tx1"/>
+            </a:solidFill>
+          </a:ln>
         </p:spPr>
       </p:pic>
       <p:pic>
@@ -26034,7 +26039,7 @@
         </p:blipFill>
         <p:spPr>
           <a:xfrm>
-            <a:off x="5058365" y="1505349"/>
+            <a:off x="4680739" y="1240220"/>
             <a:ext cx="928663" cy="1240221"/>
           </a:xfrm>
           <a:prstGeom prst="rect">
@@ -26063,12 +26068,17 @@
         </p:blipFill>
         <p:spPr>
           <a:xfrm>
-            <a:off x="6190713" y="1334277"/>
+            <a:off x="6582599" y="1240221"/>
             <a:ext cx="4637314" cy="5298017"/>
           </a:xfrm>
           <a:prstGeom prst="rect">
             <a:avLst/>
           </a:prstGeom>
+          <a:ln>
+            <a:solidFill>
+              <a:schemeClr val="tx1"/>
+            </a:solidFill>
+          </a:ln>
         </p:spPr>
       </p:pic>
       <p:pic>
@@ -26092,7 +26102,7 @@
         </p:blipFill>
         <p:spPr>
           <a:xfrm>
-            <a:off x="10264739" y="1766230"/>
+            <a:off x="10052281" y="1672174"/>
             <a:ext cx="1059399" cy="718457"/>
           </a:xfrm>
           <a:prstGeom prst="rect">
@@ -26134,6 +26144,62 @@
               </a:rPr>
               <a:t>13</a:t>
             </a:r>
+          </a:p>
+        </p:txBody>
+      </p:sp>
+      <p:sp>
+        <p:nvSpPr>
+          <p:cNvPr id="11" name="TextBox 10">
+            <a:extLst>
+              <a:ext uri="{FF2B5EF4-FFF2-40B4-BE49-F238E27FC236}">
+                <a16:creationId xmlns:a16="http://schemas.microsoft.com/office/drawing/2014/main" id="{40333B8E-6615-F3AA-5803-24852DE8BE4F}"/>
+              </a:ext>
+            </a:extLst>
+          </p:cNvPr>
+          <p:cNvSpPr txBox="1"/>
+          <p:nvPr/>
+        </p:nvSpPr>
+        <p:spPr>
+          <a:xfrm>
+            <a:off x="5228253" y="6607905"/>
+            <a:ext cx="1735494" cy="230832"/>
+          </a:xfrm>
+          <a:prstGeom prst="rect">
+            <a:avLst/>
+          </a:prstGeom>
+          <a:noFill/>
+        </p:spPr>
+        <p:txBody>
+          <a:bodyPr wrap="square" rtlCol="0">
+            <a:spAutoFit/>
+          </a:bodyPr>
+          <a:lstStyle/>
+          <a:p>
+            <a:r>
+              <a:rPr lang="en-US" sz="900" b="1" dirty="0">
+                <a:latin typeface="Arial" panose="020B0604020202020204" pitchFamily="34" charset="0"/>
+                <a:cs typeface="Arial" panose="020B0604020202020204" pitchFamily="34" charset="0"/>
+              </a:rPr>
+              <a:t>Sources: 3</a:t>
+            </a:r>
+            <a:r>
+              <a:rPr lang="en-US" sz="900" b="1" baseline="30000" dirty="0">
+                <a:latin typeface="Arial" panose="020B0604020202020204" pitchFamily="34" charset="0"/>
+                <a:cs typeface="Arial" panose="020B0604020202020204" pitchFamily="34" charset="0"/>
+              </a:rPr>
+              <a:t>rd</a:t>
+            </a:r>
+            <a:r>
+              <a:rPr lang="en-US" sz="900" b="1" dirty="0">
+                <a:latin typeface="Arial" panose="020B0604020202020204" pitchFamily="34" charset="0"/>
+                <a:cs typeface="Arial" panose="020B0604020202020204" pitchFamily="34" charset="0"/>
+              </a:rPr>
+              <a:t> Party Website**</a:t>
+            </a:r>
+            <a:endParaRPr lang="LID4096" sz="900" b="1" dirty="0">
+              <a:latin typeface="Arial" panose="020B0604020202020204" pitchFamily="34" charset="0"/>
+              <a:cs typeface="Arial" panose="020B0604020202020204" pitchFamily="34" charset="0"/>
+            </a:endParaRPr>
           </a:p>
         </p:txBody>
       </p:sp>
@@ -27073,8 +27139,8 @@
         </p:nvSpPr>
         <p:spPr>
           <a:xfrm>
-            <a:off x="1045012" y="2811623"/>
-            <a:ext cx="10101975" cy="1938992"/>
+            <a:off x="1396672" y="2613392"/>
+            <a:ext cx="9398653" cy="1631216"/>
           </a:xfrm>
           <a:prstGeom prst="rect">
             <a:avLst/>
@@ -27093,12 +27159,16 @@
               </a:buBlip>
             </a:pPr>
             <a:r>
-              <a:rPr lang="en-GB" sz="2400" dirty="0">
+              <a:rPr lang="en-GB" sz="2000" b="1" dirty="0">
+                <a:latin typeface="Arial" panose="020B0604020202020204" pitchFamily="34" charset="0"/>
+                <a:cs typeface="Arial" panose="020B0604020202020204" pitchFamily="34" charset="0"/>
                 <a:hlinkClick r:id="rId3"/>
               </a:rPr>
               <a:t>Web API | Spotify for Developers</a:t>
             </a:r>
-            <a:endParaRPr lang="en-US" sz="2400" dirty="0">
+            <a:endParaRPr lang="en-US" sz="2000" b="1" dirty="0">
+              <a:latin typeface="Arial" panose="020B0604020202020204" pitchFamily="34" charset="0"/>
+              <a:cs typeface="Arial" panose="020B0604020202020204" pitchFamily="34" charset="0"/>
               <a:hlinkClick r:id="rId4"/>
             </a:endParaRPr>
           </a:p>
@@ -27109,12 +27179,17 @@
               </a:buBlip>
             </a:pPr>
             <a:r>
-              <a:rPr lang="en-US" sz="2400" dirty="0">
+              <a:rPr lang="en-US" sz="2000" b="1" dirty="0">
+                <a:latin typeface="Arial" panose="020B0604020202020204" pitchFamily="34" charset="0"/>
+                <a:cs typeface="Arial" panose="020B0604020202020204" pitchFamily="34" charset="0"/>
                 <a:hlinkClick r:id="rId4"/>
               </a:rPr>
               <a:t>Spotify – Financials</a:t>
             </a:r>
-            <a:endParaRPr lang="en-US" sz="2400" dirty="0"/>
+            <a:endParaRPr lang="en-US" sz="2000" b="1" dirty="0">
+              <a:latin typeface="Arial" panose="020B0604020202020204" pitchFamily="34" charset="0"/>
+              <a:cs typeface="Arial" panose="020B0604020202020204" pitchFamily="34" charset="0"/>
+            </a:endParaRPr>
           </a:p>
           <a:p>
             <a:pPr marL="285750" indent="-285750">
@@ -27123,12 +27198,17 @@
               </a:buBlip>
             </a:pPr>
             <a:r>
-              <a:rPr lang="en-GB" sz="2400" dirty="0">
+              <a:rPr lang="en-GB" sz="2000" b="1" dirty="0">
+                <a:latin typeface="Arial" panose="020B0604020202020204" pitchFamily="34" charset="0"/>
+                <a:cs typeface="Arial" panose="020B0604020202020204" pitchFamily="34" charset="0"/>
                 <a:hlinkClick r:id="rId5"/>
               </a:rPr>
               <a:t>Spotify Charts - Spotify Charts are made by fans</a:t>
             </a:r>
-            <a:endParaRPr lang="en-GB" sz="2400" dirty="0"/>
+            <a:endParaRPr lang="en-GB" sz="2000" b="1" dirty="0">
+              <a:latin typeface="Arial" panose="020B0604020202020204" pitchFamily="34" charset="0"/>
+              <a:cs typeface="Arial" panose="020B0604020202020204" pitchFamily="34" charset="0"/>
+            </a:endParaRPr>
           </a:p>
           <a:p>
             <a:pPr marL="285750" indent="-285750">
@@ -27137,12 +27217,20 @@
               </a:buBlip>
             </a:pPr>
             <a:r>
-              <a:rPr lang="en-US" sz="2400" dirty="0">
+              <a:rPr lang="en-US" sz="2000" b="1" dirty="0">
+                <a:latin typeface="Arial" panose="020B0604020202020204" pitchFamily="34" charset="0"/>
+                <a:cs typeface="Arial" panose="020B0604020202020204" pitchFamily="34" charset="0"/>
                 <a:hlinkClick r:id="rId6"/>
               </a:rPr>
               <a:t>Spotify Stats | Users, Revenue &amp; Demographics 2025 | Priori Data</a:t>
             </a:r>
-            <a:endParaRPr lang="en-US" sz="2400" dirty="0"/>
+            <a:r>
+              <a:rPr lang="en-US" sz="2000" b="1" dirty="0">
+                <a:latin typeface="Arial" panose="020B0604020202020204" pitchFamily="34" charset="0"/>
+                <a:cs typeface="Arial" panose="020B0604020202020204" pitchFamily="34" charset="0"/>
+              </a:rPr>
+              <a:t> **</a:t>
+            </a:r>
           </a:p>
           <a:p>
             <a:pPr marL="285750" indent="-285750">
@@ -27151,16 +27239,24 @@
               </a:buBlip>
             </a:pPr>
             <a:r>
-              <a:rPr lang="en-US" sz="2400" dirty="0">
+              <a:rPr lang="en-US" sz="2000" b="1" dirty="0">
+                <a:latin typeface="Arial" panose="020B0604020202020204" pitchFamily="34" charset="0"/>
+                <a:cs typeface="Arial" panose="020B0604020202020204" pitchFamily="34" charset="0"/>
                 <a:hlinkClick r:id="rId7"/>
               </a:rPr>
               <a:t>AnahitaTehrani/Data-Science-Project</a:t>
             </a:r>
             <a:r>
-              <a:rPr lang="en-US" sz="2400" dirty="0"/>
+              <a:rPr lang="en-US" sz="2000" b="1" dirty="0">
+                <a:latin typeface="Arial" panose="020B0604020202020204" pitchFamily="34" charset="0"/>
+                <a:cs typeface="Arial" panose="020B0604020202020204" pitchFamily="34" charset="0"/>
+              </a:rPr>
               <a:t> (GitHub)</a:t>
             </a:r>
-            <a:endParaRPr lang="LID4096" sz="2400" dirty="0"/>
+            <a:endParaRPr lang="LID4096" sz="2000" b="1" dirty="0">
+              <a:latin typeface="Arial" panose="020B0604020202020204" pitchFamily="34" charset="0"/>
+              <a:cs typeface="Arial" panose="020B0604020202020204" pitchFamily="34" charset="0"/>
+            </a:endParaRPr>
           </a:p>
         </p:txBody>
       </p:sp>
